--- a/Scahema shop/schema shop.pptx
+++ b/Scahema shop/schema shop.pptx
@@ -193,7 +193,7 @@
           <a:p>
             <a:fld id="{FA811283-A8BE-4E39-A6CC-40BDC172ADFF}" type="datetimeFigureOut">
               <a:rPr lang="ko-KR" altLang="en-US" smtClean="0"/>
-              <a:t>2019-05-03</a:t>
+              <a:t>2019-05-08</a:t>
             </a:fld>
             <a:endParaRPr lang="ko-KR" altLang="en-US"/>
           </a:p>
@@ -810,7 +810,7 @@
           <a:p>
             <a:fld id="{A1537F4F-6169-4F25-9DD8-CCC1E584465F}" type="datetimeFigureOut">
               <a:rPr lang="ko-KR" altLang="en-US" smtClean="0"/>
-              <a:t>2019-05-03</a:t>
+              <a:t>2019-05-08</a:t>
             </a:fld>
             <a:endParaRPr lang="ko-KR" altLang="en-US"/>
           </a:p>
@@ -980,7 +980,7 @@
           <a:p>
             <a:fld id="{A1537F4F-6169-4F25-9DD8-CCC1E584465F}" type="datetimeFigureOut">
               <a:rPr lang="ko-KR" altLang="en-US" smtClean="0"/>
-              <a:t>2019-05-03</a:t>
+              <a:t>2019-05-08</a:t>
             </a:fld>
             <a:endParaRPr lang="ko-KR" altLang="en-US"/>
           </a:p>
@@ -1160,7 +1160,7 @@
           <a:p>
             <a:fld id="{A1537F4F-6169-4F25-9DD8-CCC1E584465F}" type="datetimeFigureOut">
               <a:rPr lang="ko-KR" altLang="en-US" smtClean="0"/>
-              <a:t>2019-05-03</a:t>
+              <a:t>2019-05-08</a:t>
             </a:fld>
             <a:endParaRPr lang="ko-KR" altLang="en-US"/>
           </a:p>
@@ -1330,7 +1330,7 @@
           <a:p>
             <a:fld id="{A1537F4F-6169-4F25-9DD8-CCC1E584465F}" type="datetimeFigureOut">
               <a:rPr lang="ko-KR" altLang="en-US" smtClean="0"/>
-              <a:t>2019-05-03</a:t>
+              <a:t>2019-05-08</a:t>
             </a:fld>
             <a:endParaRPr lang="ko-KR" altLang="en-US"/>
           </a:p>
@@ -1576,7 +1576,7 @@
           <a:p>
             <a:fld id="{A1537F4F-6169-4F25-9DD8-CCC1E584465F}" type="datetimeFigureOut">
               <a:rPr lang="ko-KR" altLang="en-US" smtClean="0"/>
-              <a:t>2019-05-03</a:t>
+              <a:t>2019-05-08</a:t>
             </a:fld>
             <a:endParaRPr lang="ko-KR" altLang="en-US"/>
           </a:p>
@@ -1864,7 +1864,7 @@
           <a:p>
             <a:fld id="{A1537F4F-6169-4F25-9DD8-CCC1E584465F}" type="datetimeFigureOut">
               <a:rPr lang="ko-KR" altLang="en-US" smtClean="0"/>
-              <a:t>2019-05-03</a:t>
+              <a:t>2019-05-08</a:t>
             </a:fld>
             <a:endParaRPr lang="ko-KR" altLang="en-US"/>
           </a:p>
@@ -2286,7 +2286,7 @@
           <a:p>
             <a:fld id="{A1537F4F-6169-4F25-9DD8-CCC1E584465F}" type="datetimeFigureOut">
               <a:rPr lang="ko-KR" altLang="en-US" smtClean="0"/>
-              <a:t>2019-05-03</a:t>
+              <a:t>2019-05-08</a:t>
             </a:fld>
             <a:endParaRPr lang="ko-KR" altLang="en-US"/>
           </a:p>
@@ -2404,7 +2404,7 @@
           <a:p>
             <a:fld id="{A1537F4F-6169-4F25-9DD8-CCC1E584465F}" type="datetimeFigureOut">
               <a:rPr lang="ko-KR" altLang="en-US" smtClean="0"/>
-              <a:t>2019-05-03</a:t>
+              <a:t>2019-05-08</a:t>
             </a:fld>
             <a:endParaRPr lang="ko-KR" altLang="en-US"/>
           </a:p>
@@ -2499,7 +2499,7 @@
           <a:p>
             <a:fld id="{A1537F4F-6169-4F25-9DD8-CCC1E584465F}" type="datetimeFigureOut">
               <a:rPr lang="ko-KR" altLang="en-US" smtClean="0"/>
-              <a:t>2019-05-03</a:t>
+              <a:t>2019-05-08</a:t>
             </a:fld>
             <a:endParaRPr lang="ko-KR" altLang="en-US"/>
           </a:p>
@@ -2776,7 +2776,7 @@
           <a:p>
             <a:fld id="{A1537F4F-6169-4F25-9DD8-CCC1E584465F}" type="datetimeFigureOut">
               <a:rPr lang="ko-KR" altLang="en-US" smtClean="0"/>
-              <a:t>2019-05-03</a:t>
+              <a:t>2019-05-08</a:t>
             </a:fld>
             <a:endParaRPr lang="ko-KR" altLang="en-US"/>
           </a:p>
@@ -3029,7 +3029,7 @@
           <a:p>
             <a:fld id="{A1537F4F-6169-4F25-9DD8-CCC1E584465F}" type="datetimeFigureOut">
               <a:rPr lang="ko-KR" altLang="en-US" smtClean="0"/>
-              <a:t>2019-05-03</a:t>
+              <a:t>2019-05-08</a:t>
             </a:fld>
             <a:endParaRPr lang="ko-KR" altLang="en-US"/>
           </a:p>
@@ -3242,7 +3242,7 @@
           <a:p>
             <a:fld id="{A1537F4F-6169-4F25-9DD8-CCC1E584465F}" type="datetimeFigureOut">
               <a:rPr lang="ko-KR" altLang="en-US" smtClean="0"/>
-              <a:t>2019-05-03</a:t>
+              <a:t>2019-05-08</a:t>
             </a:fld>
             <a:endParaRPr lang="ko-KR" altLang="en-US"/>
           </a:p>
@@ -5853,7 +5853,7 @@
             <a:pPr algn="ctr"/>
             <a:r>
               <a:rPr lang="ko-KR" altLang="en-US" sz="1200" dirty="0" smtClean="0"/>
-              <a:t>구 매</a:t>
+              <a:t>주 문</a:t>
             </a:r>
             <a:endParaRPr lang="en-US" altLang="ko-KR" sz="1200" dirty="0" smtClean="0"/>
           </a:p>
@@ -6325,7 +6325,7 @@
                   <a:schemeClr val="tx1"/>
                 </a:solidFill>
               </a:rPr>
-              <a:t>구매번호</a:t>
+              <a:t>주문번호</a:t>
             </a:r>
             <a:endParaRPr lang="en-US" altLang="ko-KR" sz="1000" dirty="0" smtClean="0">
               <a:solidFill>
@@ -6456,23 +6456,7 @@
                   <a:schemeClr val="tx1"/>
                 </a:solidFill>
               </a:rPr>
-              <a:t>구매</a:t>
-            </a:r>
-            <a:endParaRPr lang="en-US" altLang="ko-KR" sz="1000" dirty="0" smtClean="0">
-              <a:solidFill>
-                <a:schemeClr val="tx1"/>
-              </a:solidFill>
-            </a:endParaRPr>
-          </a:p>
-          <a:p>
-            <a:pPr algn="ctr"/>
-            <a:r>
-              <a:rPr lang="ko-KR" altLang="en-US" sz="1000" dirty="0" smtClean="0">
-                <a:solidFill>
-                  <a:schemeClr val="tx1"/>
-                </a:solidFill>
-              </a:rPr>
-              <a:t>수량</a:t>
+              <a:t>주문수량</a:t>
             </a:r>
             <a:endParaRPr lang="ko-KR" altLang="en-US" sz="1000" dirty="0">
               <a:solidFill>
@@ -6538,22 +6522,6 @@
                   <a:schemeClr val="tx1"/>
                 </a:solidFill>
               </a:rPr>
-              <a:t>구매</a:t>
-            </a:r>
-            <a:endParaRPr lang="en-US" altLang="ko-KR" sz="1000" dirty="0" smtClean="0">
-              <a:solidFill>
-                <a:schemeClr val="tx1"/>
-              </a:solidFill>
-            </a:endParaRPr>
-          </a:p>
-          <a:p>
-            <a:pPr algn="ctr"/>
-            <a:r>
-              <a:rPr lang="ko-KR" altLang="en-US" sz="1000" dirty="0" smtClean="0">
-                <a:solidFill>
-                  <a:schemeClr val="tx1"/>
-                </a:solidFill>
-              </a:rPr>
               <a:t>날짜</a:t>
             </a:r>
             <a:endParaRPr lang="en-US" altLang="ko-KR" sz="1000" dirty="0" smtClean="0">
@@ -6620,23 +6588,7 @@
                   <a:schemeClr val="tx1"/>
                 </a:solidFill>
               </a:rPr>
-              <a:t>구매</a:t>
-            </a:r>
-            <a:endParaRPr lang="en-US" altLang="ko-KR" sz="1000" dirty="0" smtClean="0">
-              <a:solidFill>
-                <a:schemeClr val="tx1"/>
-              </a:solidFill>
-            </a:endParaRPr>
-          </a:p>
-          <a:p>
-            <a:pPr algn="ctr"/>
-            <a:r>
-              <a:rPr lang="ko-KR" altLang="en-US" sz="1000" dirty="0" smtClean="0">
-                <a:solidFill>
-                  <a:schemeClr val="tx1"/>
-                </a:solidFill>
-              </a:rPr>
-              <a:t>현황</a:t>
+              <a:t>주문상태</a:t>
             </a:r>
             <a:endParaRPr lang="en-US" altLang="ko-KR" sz="1000" dirty="0" smtClean="0">
               <a:solidFill>
@@ -9399,7 +9351,7 @@
             <a:pPr algn="ctr"/>
             <a:r>
               <a:rPr lang="ko-KR" altLang="en-US" sz="1200" dirty="0" smtClean="0"/>
-              <a:t>구 매</a:t>
+              <a:t>주 문</a:t>
             </a:r>
             <a:endParaRPr lang="en-US" altLang="ko-KR" sz="1200" dirty="0" smtClean="0"/>
           </a:p>
@@ -9823,7 +9775,7 @@
         </p:nvSpPr>
         <p:spPr>
           <a:xfrm>
-            <a:off x="8022002" y="1011627"/>
+            <a:off x="6798928" y="1125235"/>
             <a:ext cx="1061201" cy="468819"/>
           </a:xfrm>
           <a:prstGeom prst="rect">
@@ -9934,7 +9886,23 @@
                   <a:schemeClr val="tx1"/>
                 </a:solidFill>
               </a:rPr>
-              <a:t>구매번호</a:t>
+              <a:t>주문</a:t>
+            </a:r>
+            <a:endParaRPr lang="en-US" altLang="ko-KR" sz="1000" dirty="0" smtClean="0">
+              <a:solidFill>
+                <a:schemeClr val="tx1"/>
+              </a:solidFill>
+            </a:endParaRPr>
+          </a:p>
+          <a:p>
+            <a:pPr algn="ctr"/>
+            <a:r>
+              <a:rPr lang="ko-KR" altLang="en-US" sz="1000" dirty="0" smtClean="0">
+                <a:solidFill>
+                  <a:schemeClr val="tx1"/>
+                </a:solidFill>
+              </a:rPr>
+              <a:t>번호</a:t>
             </a:r>
             <a:endParaRPr lang="en-US" altLang="ko-KR" sz="1000" dirty="0" smtClean="0">
               <a:solidFill>
@@ -10065,7 +10033,7 @@
                   <a:schemeClr val="tx1"/>
                 </a:solidFill>
               </a:rPr>
-              <a:t>구매</a:t>
+              <a:t>주문</a:t>
             </a:r>
             <a:endParaRPr lang="en-US" altLang="ko-KR" sz="1000" dirty="0" smtClean="0">
               <a:solidFill>
@@ -10147,22 +10115,6 @@
                   <a:schemeClr val="tx1"/>
                 </a:solidFill>
               </a:rPr>
-              <a:t>구매</a:t>
-            </a:r>
-            <a:endParaRPr lang="en-US" altLang="ko-KR" sz="1000" dirty="0" smtClean="0">
-              <a:solidFill>
-                <a:schemeClr val="tx1"/>
-              </a:solidFill>
-            </a:endParaRPr>
-          </a:p>
-          <a:p>
-            <a:pPr algn="ctr"/>
-            <a:r>
-              <a:rPr lang="ko-KR" altLang="en-US" sz="1000" dirty="0" smtClean="0">
-                <a:solidFill>
-                  <a:schemeClr val="tx1"/>
-                </a:solidFill>
-              </a:rPr>
               <a:t>날짜</a:t>
             </a:r>
             <a:endParaRPr lang="en-US" altLang="ko-KR" sz="1000" dirty="0" smtClean="0">
@@ -10229,7 +10181,7 @@
                   <a:schemeClr val="tx1"/>
                 </a:solidFill>
               </a:rPr>
-              <a:t>구매</a:t>
+              <a:t>주문</a:t>
             </a:r>
             <a:endParaRPr lang="en-US" altLang="ko-KR" sz="1000" dirty="0" smtClean="0">
               <a:solidFill>
@@ -10245,7 +10197,15 @@
                   <a:schemeClr val="tx1"/>
                 </a:solidFill>
               </a:rPr>
-              <a:t>현황</a:t>
+              <a:t>상</a:t>
+            </a:r>
+            <a:r>
+              <a:rPr lang="ko-KR" altLang="en-US" sz="1000" dirty="0">
+                <a:solidFill>
+                  <a:schemeClr val="tx1"/>
+                </a:solidFill>
+              </a:rPr>
+              <a:t>태</a:t>
             </a:r>
             <a:endParaRPr lang="en-US" altLang="ko-KR" sz="1000" dirty="0" smtClean="0">
               <a:solidFill>
@@ -10765,7 +10725,7 @@
         </p:nvSpPr>
         <p:spPr>
           <a:xfrm>
-            <a:off x="8093740" y="1644341"/>
+            <a:off x="8108165" y="1130572"/>
             <a:ext cx="864096" cy="508252"/>
           </a:xfrm>
           <a:prstGeom prst="ellipse">
